--- a/archisurance-in-eas.pptx
+++ b/archisurance-in-eas.pptx
@@ -6087,6 +6087,17 @@
               <a:rPr lang="en-US" dirty="0"/>
               <a:t>Base on ArchiSurance (later ArchiMetal) contents: Phase A to Phase F</a:t>
             </a:r>
+          </a:p>
+          <a:p>
+            <a:r>
+              <a:rPr lang="en-US" dirty="0"/>
+              <a:t>Use my earlier ArchiSurance model (by Archi) as </a:t>
+            </a:r>
+            <a:r>
+              <a:rPr lang="en-US"/>
+              <a:t>the reference</a:t>
+            </a:r>
+            <a:endParaRPr lang="en-US" dirty="0"/>
           </a:p>
           <a:p>
             <a:r>

--- a/archisurance-in-eas.pptx
+++ b/archisurance-in-eas.pptx
@@ -6091,13 +6091,8 @@
           <a:p>
             <a:r>
               <a:rPr lang="en-US" dirty="0"/>
-              <a:t>Use my earlier ArchiSurance model (by Archi) as </a:t>
-            </a:r>
-            <a:r>
-              <a:rPr lang="en-US"/>
-              <a:t>the reference</a:t>
-            </a:r>
-            <a:endParaRPr lang="en-US" dirty="0"/>
+              <a:t>Use my earlier ArchiSurance model (by Archi) as the reference</a:t>
+            </a:r>
           </a:p>
           <a:p>
             <a:r>
@@ -6172,54 +6167,19 @@
           <a:chExt cx="0" cy="0"/>
         </a:xfrm>
       </p:grpSpPr>
-      <p:sp>
-        <p:nvSpPr>
-          <p:cNvPr id="2" name="Title 1">
+      <p:pic>
+        <p:nvPicPr>
+          <p:cNvPr id="8" name="Picture 7" descr="Digital Connections">
             <a:extLst>
               <a:ext uri="{FF2B5EF4-FFF2-40B4-BE49-F238E27FC236}">
-                <a16:creationId xmlns:a16="http://schemas.microsoft.com/office/drawing/2014/main" id="{921633EB-7DCB-4DDC-80AF-C885A3EE1245}"/>
-              </a:ext>
-            </a:extLst>
-          </p:cNvPr>
-          <p:cNvSpPr>
-            <a:spLocks noGrp="1"/>
-          </p:cNvSpPr>
-          <p:nvPr>
-            <p:ph type="title"/>
-          </p:nvPr>
-        </p:nvSpPr>
-        <p:spPr>
-          <a:xfrm>
-            <a:off x="2290915" y="729658"/>
-            <a:ext cx="9319893" cy="988332"/>
-          </a:xfrm>
-        </p:spPr>
-        <p:txBody>
-          <a:bodyPr/>
-          <a:lstStyle/>
-          <a:p>
-            <a:r>
-              <a:rPr lang="en-US" dirty="0"/>
-              <a:t>Competitive Landscape</a:t>
-            </a:r>
-          </a:p>
-        </p:txBody>
-      </p:sp>
-      <p:pic>
-        <p:nvPicPr>
-          <p:cNvPr id="11" name="Content Placeholder 4" descr="Charts">
-            <a:extLst>
-              <a:ext uri="{FF2B5EF4-FFF2-40B4-BE49-F238E27FC236}">
-                <a16:creationId xmlns:a16="http://schemas.microsoft.com/office/drawing/2014/main" id="{47D9BE16-119C-43B2-9AE6-18C4A150C0EF}"/>
+                <a16:creationId xmlns:a16="http://schemas.microsoft.com/office/drawing/2014/main" id="{3BFDC680-79E6-ACAB-7B51-9884A2A41974}"/>
               </a:ext>
             </a:extLst>
           </p:cNvPr>
           <p:cNvPicPr>
-            <a:picLocks noGrp="1" noChangeAspect="1"/>
+            <a:picLocks noChangeAspect="1"/>
           </p:cNvPicPr>
-          <p:nvPr>
-            <p:ph sz="half" idx="1"/>
-          </p:nvPr>
+          <p:nvPr/>
         </p:nvPicPr>
         <p:blipFill rotWithShape="1">
           <a:blip r:embed="rId2" cstate="screen">
@@ -6229,47 +6189,52 @@
               </a:ext>
             </a:extLst>
           </a:blip>
+          <a:srcRect l="13265" t="9091" r="3502" b="-1"/>
           <a:stretch/>
         </p:blipFill>
         <p:spPr>
           <a:xfrm>
-            <a:off x="581025" y="2231480"/>
-            <a:ext cx="5422900" cy="3625353"/>
-          </a:xfrm>
-        </p:spPr>
-      </p:pic>
-      <p:pic>
-        <p:nvPicPr>
-          <p:cNvPr id="18" name="Content Placeholder 17" descr="Chart placeholder">
-            <a:extLst>
-              <a:ext uri="{FF2B5EF4-FFF2-40B4-BE49-F238E27FC236}">
-                <a16:creationId xmlns:a16="http://schemas.microsoft.com/office/drawing/2014/main" id="{BFEA8EC1-23A4-4843-A9C3-AE771D73392A}"/>
-              </a:ext>
-            </a:extLst>
-          </p:cNvPr>
-          <p:cNvPicPr>
-            <a:picLocks noGrp="1" noChangeAspect="1"/>
-          </p:cNvPicPr>
-          <p:nvPr>
-            <p:ph sz="half" idx="2"/>
-          </p:nvPr>
-        </p:nvPicPr>
-        <p:blipFill>
-          <a:blip r:embed="rId3"/>
-          <a:stretch>
-            <a:fillRect/>
-          </a:stretch>
-        </p:blipFill>
-        <p:spPr>
-          <a:xfrm>
-            <a:off x="6201811" y="2571845"/>
-            <a:ext cx="5395428" cy="2944623"/>
+            <a:off x="20" y="10"/>
+            <a:ext cx="12191980" cy="6857990"/>
           </a:xfrm>
           <a:prstGeom prst="rect">
             <a:avLst/>
           </a:prstGeom>
         </p:spPr>
       </p:pic>
+      <p:sp>
+        <p:nvSpPr>
+          <p:cNvPr id="2" name="Title 1">
+            <a:extLst>
+              <a:ext uri="{FF2B5EF4-FFF2-40B4-BE49-F238E27FC236}">
+                <a16:creationId xmlns:a16="http://schemas.microsoft.com/office/drawing/2014/main" id="{921633EB-7DCB-4DDC-80AF-C885A3EE1245}"/>
+              </a:ext>
+            </a:extLst>
+          </p:cNvPr>
+          <p:cNvSpPr>
+            <a:spLocks noGrp="1"/>
+          </p:cNvSpPr>
+          <p:nvPr>
+            <p:ph type="title"/>
+          </p:nvPr>
+        </p:nvSpPr>
+        <p:spPr>
+          <a:xfrm>
+            <a:off x="2290915" y="729658"/>
+            <a:ext cx="9319893" cy="988332"/>
+          </a:xfrm>
+        </p:spPr>
+        <p:txBody>
+          <a:bodyPr anchor="ctr"/>
+          <a:lstStyle/>
+          <a:p>
+            <a:r>
+              <a:rPr lang="en-US" b="1" dirty="0"/>
+              <a:t>Competitive Landscape</a:t>
+            </a:r>
+          </a:p>
+        </p:txBody>
+      </p:sp>
       <p:sp>
         <p:nvSpPr>
           <p:cNvPr id="3" name="TextBox 2">

--- a/archisurance-in-eas.pptx
+++ b/archisurance-in-eas.pptx
@@ -5,10 +5,10 @@
     <p:sldMasterId id="2147483672" r:id="rId4"/>
   </p:sldMasterIdLst>
   <p:notesMasterIdLst>
-    <p:notesMasterId r:id="rId10"/>
+    <p:notesMasterId r:id="rId11"/>
   </p:notesMasterIdLst>
   <p:handoutMasterIdLst>
-    <p:handoutMasterId r:id="rId11"/>
+    <p:handoutMasterId r:id="rId12"/>
   </p:handoutMasterIdLst>
   <p:sldIdLst>
     <p:sldId id="256" r:id="rId5"/>
@@ -16,6 +16,7 @@
     <p:sldId id="260" r:id="rId7"/>
     <p:sldId id="261" r:id="rId8"/>
     <p:sldId id="258" r:id="rId9"/>
+    <p:sldId id="262" r:id="rId10"/>
   </p:sldIdLst>
   <p:sldSz cx="12192000" cy="6858000"/>
   <p:notesSz cx="6858000" cy="9144000"/>
@@ -6280,6 +6281,109 @@
     <p:extLst>
       <p:ext uri="{BB962C8B-B14F-4D97-AF65-F5344CB8AC3E}">
         <p14:creationId xmlns:p14="http://schemas.microsoft.com/office/powerpoint/2010/main" val="497607547"/>
+      </p:ext>
+    </p:extLst>
+  </p:cSld>
+  <p:clrMapOvr>
+    <a:masterClrMapping/>
+  </p:clrMapOvr>
+</p:sld>
+</file>
+
+<file path=ppt/slides/slide6.xml><?xml version="1.0" encoding="utf-8"?>
+<p:sld xmlns:a="http://schemas.openxmlformats.org/drawingml/2006/main" xmlns:r="http://schemas.openxmlformats.org/officeDocument/2006/relationships" xmlns:p="http://schemas.openxmlformats.org/presentationml/2006/main">
+  <p:cSld>
+    <p:spTree>
+      <p:nvGrpSpPr>
+        <p:cNvPr id="1" name=""/>
+        <p:cNvGrpSpPr/>
+        <p:nvPr/>
+      </p:nvGrpSpPr>
+      <p:grpSpPr>
+        <a:xfrm>
+          <a:off x="0" y="0"/>
+          <a:ext cx="0" cy="0"/>
+          <a:chOff x="0" y="0"/>
+          <a:chExt cx="0" cy="0"/>
+        </a:xfrm>
+      </p:grpSpPr>
+      <p:pic>
+        <p:nvPicPr>
+          <p:cNvPr id="7" name="Picture 6">
+            <a:extLst>
+              <a:ext uri="{FF2B5EF4-FFF2-40B4-BE49-F238E27FC236}">
+                <a16:creationId xmlns:a16="http://schemas.microsoft.com/office/drawing/2014/main" id="{1CF0E075-9D7A-CEAB-696E-699C76F6EC8B}"/>
+              </a:ext>
+            </a:extLst>
+          </p:cNvPr>
+          <p:cNvPicPr>
+            <a:picLocks noChangeAspect="1"/>
+          </p:cNvPicPr>
+          <p:nvPr/>
+        </p:nvPicPr>
+        <p:blipFill>
+          <a:blip r:embed="rId2"/>
+          <a:stretch>
+            <a:fillRect/>
+          </a:stretch>
+        </p:blipFill>
+        <p:spPr>
+          <a:xfrm>
+            <a:off x="1925053" y="725905"/>
+            <a:ext cx="5791200" cy="5791200"/>
+          </a:xfrm>
+          <a:prstGeom prst="rect">
+            <a:avLst/>
+          </a:prstGeom>
+        </p:spPr>
+      </p:pic>
+      <p:pic>
+        <p:nvPicPr>
+          <p:cNvPr id="5" name="Picture 4">
+            <a:extLst>
+              <a:ext uri="{FF2B5EF4-FFF2-40B4-BE49-F238E27FC236}">
+                <a16:creationId xmlns:a16="http://schemas.microsoft.com/office/drawing/2014/main" id="{A5C6D529-29A6-8094-F7C4-C18707D01E70}"/>
+              </a:ext>
+            </a:extLst>
+          </p:cNvPr>
+          <p:cNvPicPr>
+            <a:picLocks noChangeAspect="1"/>
+          </p:cNvPicPr>
+          <p:nvPr/>
+        </p:nvPicPr>
+        <p:blipFill>
+          <a:blip r:embed="rId3"/>
+          <a:stretch>
+            <a:fillRect/>
+          </a:stretch>
+        </p:blipFill>
+        <p:spPr>
+          <a:xfrm>
+            <a:off x="4957391" y="4937760"/>
+            <a:ext cx="3911902" cy="1042035"/>
+          </a:xfrm>
+          <a:prstGeom prst="roundRect">
+            <a:avLst>
+              <a:gd name="adj" fmla="val 8594"/>
+            </a:avLst>
+          </a:prstGeom>
+          <a:solidFill>
+            <a:srgbClr val="FFFFFF">
+              <a:shade val="85000"/>
+            </a:srgbClr>
+          </a:solidFill>
+          <a:ln>
+            <a:noFill/>
+          </a:ln>
+          <a:effectLst>
+            <a:reflection blurRad="12700" stA="38000" endPos="28000" dist="5000" dir="5400000" sy="-100000" algn="bl" rotWithShape="0"/>
+          </a:effectLst>
+        </p:spPr>
+      </p:pic>
+    </p:spTree>
+    <p:extLst>
+      <p:ext uri="{BB962C8B-B14F-4D97-AF65-F5344CB8AC3E}">
+        <p14:creationId xmlns:p14="http://schemas.microsoft.com/office/powerpoint/2010/main" val="2233876928"/>
       </p:ext>
     </p:extLst>
   </p:cSld>
